--- a/ppt/GIT06-Advanced.pptx
+++ b/ppt/GIT06-Advanced.pptx
@@ -5,10 +5,10 @@
     <p:sldMasterId id="2147483653" r:id="rId1"/>
   </p:sldMasterIdLst>
   <p:notesMasterIdLst>
-    <p:notesMasterId r:id="rId8"/>
+    <p:notesMasterId r:id="rId9"/>
   </p:notesMasterIdLst>
   <p:handoutMasterIdLst>
-    <p:handoutMasterId r:id="rId9"/>
+    <p:handoutMasterId r:id="rId10"/>
   </p:handoutMasterIdLst>
   <p:sldIdLst>
     <p:sldId id="264" r:id="rId2"/>
@@ -17,6 +17,7 @@
     <p:sldId id="267" r:id="rId5"/>
     <p:sldId id="268" r:id="rId6"/>
     <p:sldId id="269" r:id="rId7"/>
+    <p:sldId id="270" r:id="rId8"/>
   </p:sldIdLst>
   <p:sldSz cx="9144000" cy="6858000" type="screen4x3"/>
   <p:notesSz cx="6648450" cy="9782175"/>
@@ -4341,6 +4342,141 @@
     <p:extLst>
       <p:ext uri="{BB962C8B-B14F-4D97-AF65-F5344CB8AC3E}">
         <p14:creationId xmlns:p14="http://schemas.microsoft.com/office/powerpoint/2010/main" val="3142034715"/>
+      </p:ext>
+    </p:extLst>
+  </p:cSld>
+  <p:clrMapOvr>
+    <a:masterClrMapping/>
+  </p:clrMapOvr>
+</p:sld>
+</file>
+
+<file path=ppt/slides/slide7.xml><?xml version="1.0" encoding="utf-8"?>
+<p:sld xmlns:a="http://schemas.openxmlformats.org/drawingml/2006/main" xmlns:r="http://schemas.openxmlformats.org/officeDocument/2006/relationships" xmlns:p="http://schemas.openxmlformats.org/presentationml/2006/main">
+  <p:cSld>
+    <p:spTree>
+      <p:nvGrpSpPr>
+        <p:cNvPr id="1" name=""/>
+        <p:cNvGrpSpPr/>
+        <p:nvPr/>
+      </p:nvGrpSpPr>
+      <p:grpSpPr>
+        <a:xfrm>
+          <a:off x="0" y="0"/>
+          <a:ext cx="0" cy="0"/>
+          <a:chOff x="0" y="0"/>
+          <a:chExt cx="0" cy="0"/>
+        </a:xfrm>
+      </p:grpSpPr>
+      <p:sp>
+        <p:nvSpPr>
+          <p:cNvPr id="2" name="Titre 1">
+            <a:extLst>
+              <a:ext uri="{FF2B5EF4-FFF2-40B4-BE49-F238E27FC236}">
+                <a16:creationId xmlns:a16="http://schemas.microsoft.com/office/drawing/2014/main" id="{1D406CB6-E721-2634-B8CA-C07399B99A59}"/>
+              </a:ext>
+            </a:extLst>
+          </p:cNvPr>
+          <p:cNvSpPr>
+            <a:spLocks noGrp="1"/>
+          </p:cNvSpPr>
+          <p:nvPr>
+            <p:ph type="title"/>
+          </p:nvPr>
+        </p:nvSpPr>
+        <p:spPr/>
+        <p:txBody>
+          <a:bodyPr/>
+          <a:lstStyle/>
+          <a:p>
+            <a:r>
+              <a:rPr lang="fr-FR" dirty="0"/>
+              <a:t>Tag</a:t>
+            </a:r>
+          </a:p>
+        </p:txBody>
+      </p:sp>
+      <p:sp>
+        <p:nvSpPr>
+          <p:cNvPr id="3" name="Espace réservé du contenu 2">
+            <a:extLst>
+              <a:ext uri="{FF2B5EF4-FFF2-40B4-BE49-F238E27FC236}">
+                <a16:creationId xmlns:a16="http://schemas.microsoft.com/office/drawing/2014/main" id="{D23C039A-E80A-D42F-3021-F87EF9AC95F8}"/>
+              </a:ext>
+            </a:extLst>
+          </p:cNvPr>
+          <p:cNvSpPr>
+            <a:spLocks noGrp="1"/>
+          </p:cNvSpPr>
+          <p:nvPr>
+            <p:ph idx="1"/>
+          </p:nvPr>
+        </p:nvSpPr>
+        <p:spPr/>
+        <p:txBody>
+          <a:bodyPr/>
+          <a:lstStyle/>
+          <a:p>
+            <a:r>
+              <a:rPr lang="fr-FR" dirty="0"/>
+              <a:t>Permet de tagguer un commit</a:t>
+            </a:r>
+          </a:p>
+          <a:p>
+            <a:pPr lvl="1"/>
+            <a:r>
+              <a:rPr lang="fr-FR" dirty="0"/>
+              <a:t>Label lisible par un humain</a:t>
+            </a:r>
+          </a:p>
+          <a:p>
+            <a:pPr lvl="1"/>
+            <a:r>
+              <a:rPr lang="fr-FR" dirty="0"/>
+              <a:t>Utile pour l'intégration continue</a:t>
+            </a:r>
+          </a:p>
+          <a:p>
+            <a:r>
+              <a:rPr lang="fr-FR" dirty="0"/>
+              <a:t>git tag</a:t>
+            </a:r>
+          </a:p>
+          <a:p>
+            <a:pPr lvl="1"/>
+            <a:r>
+              <a:rPr lang="fr-FR" dirty="0"/>
+              <a:t>liste les tags</a:t>
+            </a:r>
+          </a:p>
+          <a:p>
+            <a:r>
+              <a:rPr lang="fr-FR" dirty="0"/>
+              <a:t>git tag -a v1.4 -m "</a:t>
+            </a:r>
+            <a:r>
+              <a:rPr lang="fr-FR" dirty="0" err="1"/>
+              <a:t>my</a:t>
+            </a:r>
+            <a:r>
+              <a:rPr lang="fr-FR" dirty="0"/>
+              <a:t> version 1.4"</a:t>
+            </a:r>
+          </a:p>
+          <a:p>
+            <a:pPr lvl="1"/>
+            <a:r>
+              <a:rPr lang="fr-FR"/>
+              <a:t>Créé un tag</a:t>
+            </a:r>
+            <a:endParaRPr lang="fr-FR" dirty="0"/>
+          </a:p>
+        </p:txBody>
+      </p:sp>
+    </p:spTree>
+    <p:extLst>
+      <p:ext uri="{BB962C8B-B14F-4D97-AF65-F5344CB8AC3E}">
+        <p14:creationId xmlns:p14="http://schemas.microsoft.com/office/powerpoint/2010/main" val="2302459218"/>
       </p:ext>
     </p:extLst>
   </p:cSld>

--- a/ppt/GIT06-Advanced.pptx
+++ b/ppt/GIT06-Advanced.pptx
@@ -4466,8 +4466,41 @@
           <a:p>
             <a:pPr lvl="1"/>
             <a:r>
+              <a:rPr lang="fr-FR" dirty="0"/>
+              <a:t>Créé un tag</a:t>
+            </a:r>
+          </a:p>
+          <a:p>
+            <a:r>
+              <a:rPr lang="fr-FR" dirty="0"/>
+              <a:t>git </a:t>
+            </a:r>
+            <a:r>
+              <a:rPr lang="fr-FR" dirty="0" err="1"/>
+              <a:t>describe</a:t>
+            </a:r>
+            <a:r>
+              <a:rPr lang="fr-FR" dirty="0"/>
+              <a:t> décrit la différence entre le commit et le tag le plus récent</a:t>
+            </a:r>
+          </a:p>
+          <a:p>
+            <a:pPr lvl="1"/>
+            <a:r>
+              <a:rPr lang="fr-FR" dirty="0"/>
+              <a:t>git tag </a:t>
+            </a:r>
+            <a:r>
+              <a:rPr lang="fr-FR" dirty="0" err="1"/>
+              <a:t>MonTag</a:t>
+            </a:r>
+            <a:r>
+              <a:rPr lang="fr-FR" dirty="0"/>
+              <a:t> </a:t>
+            </a:r>
+            <a:r>
               <a:rPr lang="fr-FR"/>
-              <a:t>Créé un tag</a:t>
+              <a:t>unCommit</a:t>
             </a:r>
             <a:endParaRPr lang="fr-FR" dirty="0"/>
           </a:p>

--- a/ppt/GIT06-Advanced.pptx
+++ b/ppt/GIT06-Advanced.pptx
@@ -5,10 +5,10 @@
     <p:sldMasterId id="2147483653" r:id="rId1"/>
   </p:sldMasterIdLst>
   <p:notesMasterIdLst>
-    <p:notesMasterId r:id="rId9"/>
+    <p:notesMasterId r:id="rId10"/>
   </p:notesMasterIdLst>
   <p:handoutMasterIdLst>
-    <p:handoutMasterId r:id="rId10"/>
+    <p:handoutMasterId r:id="rId11"/>
   </p:handoutMasterIdLst>
   <p:sldIdLst>
     <p:sldId id="264" r:id="rId2"/>
@@ -18,6 +18,7 @@
     <p:sldId id="268" r:id="rId6"/>
     <p:sldId id="269" r:id="rId7"/>
     <p:sldId id="270" r:id="rId8"/>
+    <p:sldId id="271" r:id="rId9"/>
   </p:sldIdLst>
   <p:sldSz cx="9144000" cy="6858000" type="screen4x3"/>
   <p:notesSz cx="6648450" cy="9782175"/>
@@ -4510,6 +4511,109 @@
     <p:extLst>
       <p:ext uri="{BB962C8B-B14F-4D97-AF65-F5344CB8AC3E}">
         <p14:creationId xmlns:p14="http://schemas.microsoft.com/office/powerpoint/2010/main" val="2302459218"/>
+      </p:ext>
+    </p:extLst>
+  </p:cSld>
+  <p:clrMapOvr>
+    <a:masterClrMapping/>
+  </p:clrMapOvr>
+</p:sld>
+</file>
+
+<file path=ppt/slides/slide8.xml><?xml version="1.0" encoding="utf-8"?>
+<p:sld xmlns:a="http://schemas.openxmlformats.org/drawingml/2006/main" xmlns:r="http://schemas.openxmlformats.org/officeDocument/2006/relationships" xmlns:p="http://schemas.openxmlformats.org/presentationml/2006/main">
+  <p:cSld>
+    <p:spTree>
+      <p:nvGrpSpPr>
+        <p:cNvPr id="1" name=""/>
+        <p:cNvGrpSpPr/>
+        <p:nvPr/>
+      </p:nvGrpSpPr>
+      <p:grpSpPr>
+        <a:xfrm>
+          <a:off x="0" y="0"/>
+          <a:ext cx="0" cy="0"/>
+          <a:chOff x="0" y="0"/>
+          <a:chExt cx="0" cy="0"/>
+        </a:xfrm>
+      </p:grpSpPr>
+      <p:sp>
+        <p:nvSpPr>
+          <p:cNvPr id="2" name="Titre 1">
+            <a:extLst>
+              <a:ext uri="{FF2B5EF4-FFF2-40B4-BE49-F238E27FC236}">
+                <a16:creationId xmlns:a16="http://schemas.microsoft.com/office/drawing/2014/main" id="{8F2D93C0-628C-7000-3D3D-C06FED713FE4}"/>
+              </a:ext>
+            </a:extLst>
+          </p:cNvPr>
+          <p:cNvSpPr>
+            <a:spLocks noGrp="1"/>
+          </p:cNvSpPr>
+          <p:nvPr>
+            <p:ph type="title"/>
+          </p:nvPr>
+        </p:nvSpPr>
+        <p:spPr/>
+        <p:txBody>
+          <a:bodyPr/>
+          <a:lstStyle/>
+          <a:p>
+            <a:r>
+              <a:rPr lang="fr-FR" dirty="0"/>
+              <a:t>Réorganiser les </a:t>
+            </a:r>
+            <a:r>
+              <a:rPr lang="fr-FR" dirty="0" err="1"/>
+              <a:t>commits</a:t>
+            </a:r>
+            <a:endParaRPr lang="fr-FR" dirty="0"/>
+          </a:p>
+        </p:txBody>
+      </p:sp>
+      <p:sp>
+        <p:nvSpPr>
+          <p:cNvPr id="3" name="Espace réservé du contenu 2">
+            <a:extLst>
+              <a:ext uri="{FF2B5EF4-FFF2-40B4-BE49-F238E27FC236}">
+                <a16:creationId xmlns:a16="http://schemas.microsoft.com/office/drawing/2014/main" id="{C5455C0E-54E2-A20C-5B57-311084E23941}"/>
+              </a:ext>
+            </a:extLst>
+          </p:cNvPr>
+          <p:cNvSpPr>
+            <a:spLocks noGrp="1"/>
+          </p:cNvSpPr>
+          <p:nvPr>
+            <p:ph idx="1"/>
+          </p:nvPr>
+        </p:nvSpPr>
+        <p:spPr/>
+        <p:txBody>
+          <a:bodyPr/>
+          <a:lstStyle/>
+          <a:p>
+            <a:r>
+              <a:rPr lang="fr-FR" dirty="0"/>
+              <a:t>git rebase –i</a:t>
+            </a:r>
+          </a:p>
+          <a:p>
+            <a:r>
+              <a:rPr lang="fr-FR">
+                <a:hlinkClick r:id="rId2"/>
+              </a:rPr>
+              <a:t>https://git-scm.com/book/en/v2/Git-Basics-Viewing-the-Commit-History</a:t>
+            </a:r>
+            <a:endParaRPr lang="fr-FR"/>
+          </a:p>
+          <a:p>
+            <a:endParaRPr lang="fr-FR"/>
+          </a:p>
+        </p:txBody>
+      </p:sp>
+    </p:spTree>
+    <p:extLst>
+      <p:ext uri="{BB962C8B-B14F-4D97-AF65-F5344CB8AC3E}">
+        <p14:creationId xmlns:p14="http://schemas.microsoft.com/office/powerpoint/2010/main" val="316316202"/>
       </p:ext>
     </p:extLst>
   </p:cSld>

--- a/ppt/GIT06-Advanced.pptx
+++ b/ppt/GIT06-Advanced.pptx
@@ -5,10 +5,10 @@
     <p:sldMasterId id="2147483653" r:id="rId1"/>
   </p:sldMasterIdLst>
   <p:notesMasterIdLst>
-    <p:notesMasterId r:id="rId10"/>
+    <p:notesMasterId r:id="rId11"/>
   </p:notesMasterIdLst>
   <p:handoutMasterIdLst>
-    <p:handoutMasterId r:id="rId11"/>
+    <p:handoutMasterId r:id="rId12"/>
   </p:handoutMasterIdLst>
   <p:sldIdLst>
     <p:sldId id="264" r:id="rId2"/>
@@ -19,6 +19,7 @@
     <p:sldId id="269" r:id="rId7"/>
     <p:sldId id="270" r:id="rId8"/>
     <p:sldId id="271" r:id="rId9"/>
+    <p:sldId id="272" r:id="rId10"/>
   </p:sldIdLst>
   <p:sldSz cx="9144000" cy="6858000" type="screen4x3"/>
   <p:notesSz cx="6648450" cy="9782175"/>
@@ -4614,6 +4615,187 @@
     <p:extLst>
       <p:ext uri="{BB962C8B-B14F-4D97-AF65-F5344CB8AC3E}">
         <p14:creationId xmlns:p14="http://schemas.microsoft.com/office/powerpoint/2010/main" val="316316202"/>
+      </p:ext>
+    </p:extLst>
+  </p:cSld>
+  <p:clrMapOvr>
+    <a:masterClrMapping/>
+  </p:clrMapOvr>
+</p:sld>
+</file>
+
+<file path=ppt/slides/slide9.xml><?xml version="1.0" encoding="utf-8"?>
+<p:sld xmlns:a="http://schemas.openxmlformats.org/drawingml/2006/main" xmlns:r="http://schemas.openxmlformats.org/officeDocument/2006/relationships" xmlns:p="http://schemas.openxmlformats.org/presentationml/2006/main">
+  <p:cSld>
+    <p:spTree>
+      <p:nvGrpSpPr>
+        <p:cNvPr id="1" name=""/>
+        <p:cNvGrpSpPr/>
+        <p:nvPr/>
+      </p:nvGrpSpPr>
+      <p:grpSpPr>
+        <a:xfrm>
+          <a:off x="0" y="0"/>
+          <a:ext cx="0" cy="0"/>
+          <a:chOff x="0" y="0"/>
+          <a:chExt cx="0" cy="0"/>
+        </a:xfrm>
+      </p:grpSpPr>
+      <p:sp>
+        <p:nvSpPr>
+          <p:cNvPr id="2" name="Titre 1">
+            <a:extLst>
+              <a:ext uri="{FF2B5EF4-FFF2-40B4-BE49-F238E27FC236}">
+                <a16:creationId xmlns:a16="http://schemas.microsoft.com/office/drawing/2014/main" id="{023B9E67-9D46-AB4E-3066-4184968BAC96}"/>
+              </a:ext>
+            </a:extLst>
+          </p:cNvPr>
+          <p:cNvSpPr>
+            <a:spLocks noGrp="1"/>
+          </p:cNvSpPr>
+          <p:nvPr>
+            <p:ph type="title"/>
+          </p:nvPr>
+        </p:nvSpPr>
+        <p:spPr/>
+        <p:txBody>
+          <a:bodyPr/>
+          <a:lstStyle/>
+          <a:p>
+            <a:r>
+              <a:rPr lang="fr-FR" dirty="0" err="1"/>
+              <a:t>Sub</a:t>
+            </a:r>
+            <a:r>
+              <a:rPr lang="fr-FR" dirty="0"/>
+              <a:t> module</a:t>
+            </a:r>
+          </a:p>
+        </p:txBody>
+      </p:sp>
+      <p:sp>
+        <p:nvSpPr>
+          <p:cNvPr id="3" name="Espace réservé du contenu 2">
+            <a:extLst>
+              <a:ext uri="{FF2B5EF4-FFF2-40B4-BE49-F238E27FC236}">
+                <a16:creationId xmlns:a16="http://schemas.microsoft.com/office/drawing/2014/main" id="{F7178471-ECB1-E3E4-EAFA-59D3041C3B8F}"/>
+              </a:ext>
+            </a:extLst>
+          </p:cNvPr>
+          <p:cNvSpPr>
+            <a:spLocks noGrp="1"/>
+          </p:cNvSpPr>
+          <p:nvPr>
+            <p:ph idx="1"/>
+          </p:nvPr>
+        </p:nvSpPr>
+        <p:spPr/>
+        <p:txBody>
+          <a:bodyPr/>
+          <a:lstStyle/>
+          <a:p>
+            <a:r>
+              <a:rPr lang="fr-FR" dirty="0"/>
+              <a:t>Un dépôt git peut avoir un lien symbolique vers une autre dépôt git</a:t>
+            </a:r>
+          </a:p>
+          <a:p>
+            <a:pPr lvl="1"/>
+            <a:r>
+              <a:rPr lang="en-US" dirty="0"/>
+              <a:t>git submodule add </a:t>
+            </a:r>
+            <a:r>
+              <a:rPr lang="en-US" dirty="0" err="1"/>
+              <a:t>url</a:t>
+            </a:r>
+            <a:endParaRPr lang="en-US" dirty="0"/>
+          </a:p>
+          <a:p>
+            <a:pPr lvl="1"/>
+            <a:r>
+              <a:rPr lang="en-US" dirty="0" err="1"/>
+              <a:t>Identique</a:t>
+            </a:r>
+            <a:r>
+              <a:rPr lang="en-US" dirty="0"/>
+              <a:t> à un git clone</a:t>
+            </a:r>
+          </a:p>
+          <a:p>
+            <a:pPr lvl="1"/>
+            <a:r>
+              <a:rPr lang="fr-FR" dirty="0"/>
+              <a:t>Permet de ne pas cloner du code d'un autre projet Git</a:t>
+            </a:r>
+          </a:p>
+          <a:p>
+            <a:r>
+              <a:rPr lang="fr-FR" dirty="0"/>
+              <a:t>Si vous cloner un repository avec un sous module</a:t>
+            </a:r>
+          </a:p>
+          <a:p>
+            <a:pPr lvl="1"/>
+            <a:r>
+              <a:rPr lang="fr-FR" dirty="0"/>
+              <a:t>le code du sous module n'est pas cloné</a:t>
+            </a:r>
+          </a:p>
+          <a:p>
+            <a:pPr lvl="1"/>
+            <a:r>
+              <a:rPr lang="fr-FR" dirty="0"/>
+              <a:t>Ajouter –</a:t>
+            </a:r>
+            <a:r>
+              <a:rPr lang="fr-FR" dirty="0" err="1"/>
+              <a:t>recursive</a:t>
+            </a:r>
+            <a:r>
+              <a:rPr lang="fr-FR" dirty="0"/>
+              <a:t> </a:t>
+            </a:r>
+          </a:p>
+          <a:p>
+            <a:r>
+              <a:rPr lang="fr-FR" dirty="0"/>
+              <a:t>Commit d'un sous module</a:t>
+            </a:r>
+          </a:p>
+          <a:p>
+            <a:pPr lvl="1"/>
+            <a:r>
+              <a:rPr lang="fr-FR" dirty="0" err="1"/>
+              <a:t>Commiter</a:t>
+            </a:r>
+            <a:r>
+              <a:rPr lang="fr-FR" dirty="0"/>
+              <a:t> le sous module : le sous module est comité</a:t>
+            </a:r>
+          </a:p>
+          <a:p>
+            <a:pPr lvl="1"/>
+            <a:r>
+              <a:rPr lang="fr-FR" dirty="0" err="1"/>
+              <a:t>Commiter</a:t>
+            </a:r>
+            <a:r>
+              <a:rPr lang="fr-FR" dirty="0"/>
+              <a:t> le </a:t>
+            </a:r>
+            <a:r>
+              <a:rPr lang="fr-FR"/>
+              <a:t>module principal</a:t>
+            </a:r>
+            <a:endParaRPr lang="fr-FR" dirty="0"/>
+          </a:p>
+        </p:txBody>
+      </p:sp>
+    </p:spTree>
+    <p:extLst>
+      <p:ext uri="{BB962C8B-B14F-4D97-AF65-F5344CB8AC3E}">
+        <p14:creationId xmlns:p14="http://schemas.microsoft.com/office/powerpoint/2010/main" val="4192296238"/>
       </p:ext>
     </p:extLst>
   </p:cSld>
